--- a/20174158_final_ppt.pptx
+++ b/20174158_final_ppt.pptx
@@ -13730,6 +13730,85 @@
           </p:txBody>
         </p:sp>
       </p:grpSp>
+      <p:sp>
+        <p:nvSpPr>
+          <p:cNvPr id="2" name="TextBox 1">
+            <a:extLst>
+              <a:ext uri="{FF2B5EF4-FFF2-40B4-BE49-F238E27FC236}">
+                <a16:creationId xmlns:a16="http://schemas.microsoft.com/office/drawing/2014/main" id="{5D0D6A4F-76AE-4CBA-9819-D3B1DE19E476}"/>
+              </a:ext>
+            </a:extLst>
+          </p:cNvPr>
+          <p:cNvSpPr txBox="1"/>
+          <p:nvPr/>
+        </p:nvSpPr>
+        <p:spPr>
+          <a:xfrm>
+            <a:off x="1424608" y="5229200"/>
+            <a:ext cx="7776864" cy="415498"/>
+          </a:xfrm>
+          <a:prstGeom prst="rect">
+            <a:avLst/>
+          </a:prstGeom>
+          <a:noFill/>
+        </p:spPr>
+        <p:txBody>
+          <a:bodyPr wrap="square" rtlCol="0">
+            <a:spAutoFit/>
+          </a:bodyPr>
+          <a:lstStyle/>
+          <a:p>
+            <a:pPr algn="ctr"/>
+            <a:r>
+              <a:rPr lang="en-US" altLang="ko-KR" dirty="0" err="1">
+                <a:solidFill>
+                  <a:schemeClr val="bg1"/>
+                </a:solidFill>
+                <a:latin typeface="나눔바른고딕" panose="020B0603020101020101" pitchFamily="50" charset="-127"/>
+                <a:ea typeface="나눔바른고딕" panose="020B0603020101020101" pitchFamily="50" charset="-127"/>
+              </a:rPr>
+              <a:t>Github</a:t>
+            </a:r>
+            <a:r>
+              <a:rPr lang="en-US" altLang="ko-KR" dirty="0">
+                <a:solidFill>
+                  <a:schemeClr val="bg1"/>
+                </a:solidFill>
+                <a:latin typeface="나눔바른고딕" panose="020B0603020101020101" pitchFamily="50" charset="-127"/>
+                <a:ea typeface="나눔바른고딕" panose="020B0603020101020101" pitchFamily="50" charset="-127"/>
+              </a:rPr>
+              <a:t> </a:t>
+            </a:r>
+            <a:r>
+              <a:rPr lang="ko-KR" altLang="en-US" dirty="0">
+                <a:solidFill>
+                  <a:schemeClr val="bg1"/>
+                </a:solidFill>
+                <a:latin typeface="나눔바른고딕" panose="020B0603020101020101" pitchFamily="50" charset="-127"/>
+                <a:ea typeface="나눔바른고딕" panose="020B0603020101020101" pitchFamily="50" charset="-127"/>
+              </a:rPr>
+              <a:t>주소</a:t>
+            </a:r>
+            <a:r>
+              <a:rPr lang="en-US" altLang="ko-KR" dirty="0">
+                <a:solidFill>
+                  <a:schemeClr val="bg1"/>
+                </a:solidFill>
+                <a:latin typeface="나눔바른고딕" panose="020B0603020101020101" pitchFamily="50" charset="-127"/>
+                <a:ea typeface="나눔바른고딕" panose="020B0603020101020101" pitchFamily="50" charset="-127"/>
+              </a:rPr>
+              <a:t>: https://github.com/kor-duru/Searching</a:t>
+            </a:r>
+            <a:endParaRPr lang="ko-KR" altLang="en-US" dirty="0">
+              <a:solidFill>
+                <a:schemeClr val="bg1"/>
+              </a:solidFill>
+              <a:latin typeface="나눔바른고딕" panose="020B0603020101020101" pitchFamily="50" charset="-127"/>
+              <a:ea typeface="나눔바른고딕" panose="020B0603020101020101" pitchFamily="50" charset="-127"/>
+            </a:endParaRPr>
+          </a:p>
+        </p:txBody>
+      </p:sp>
     </p:spTree>
     <p:extLst>
       <p:ext uri="{BB962C8B-B14F-4D97-AF65-F5344CB8AC3E}">
